--- a/List in Dart (start-ex4).pptx
+++ b/List in Dart (start-ex4).pptx
@@ -5,7 +5,7 @@
     <p:sldMasterId id="2147483660" r:id="rId3"/>
   </p:sldMasterIdLst>
   <p:notesMasterIdLst>
-    <p:notesMasterId r:id="rId29"/>
+    <p:notesMasterId r:id="rId28"/>
   </p:notesMasterIdLst>
   <p:sldIdLst>
     <p:sldId id="259" r:id="rId4"/>
@@ -30,31 +30,30 @@
     <p:sldId id="278" r:id="rId23"/>
     <p:sldId id="280" r:id="rId24"/>
     <p:sldId id="281" r:id="rId25"/>
-    <p:sldId id="282" r:id="rId26"/>
-    <p:sldId id="283" r:id="rId27"/>
-    <p:sldId id="263" r:id="rId28"/>
+    <p:sldId id="283" r:id="rId26"/>
+    <p:sldId id="263" r:id="rId27"/>
   </p:sldIdLst>
   <p:sldSz cx="12192000" cy="6858000"/>
   <p:notesSz cx="6858000" cy="9144000"/>
   <p:embeddedFontLst>
     <p:embeddedFont>
       <p:font typeface="Calibri" panose="020F0502020204030204" pitchFamily="34" charset="0"/>
-      <p:regular r:id="rId30"/>
-      <p:bold r:id="rId31"/>
-      <p:italic r:id="rId32"/>
-      <p:boldItalic r:id="rId33"/>
+      <p:regular r:id="rId29"/>
+      <p:bold r:id="rId30"/>
+      <p:italic r:id="rId31"/>
+      <p:boldItalic r:id="rId32"/>
     </p:embeddedFont>
     <p:embeddedFont>
       <p:font typeface="Calibri Light" panose="020F0302020204030204" pitchFamily="34" charset="0"/>
-      <p:regular r:id="rId34"/>
-      <p:italic r:id="rId35"/>
+      <p:regular r:id="rId33"/>
+      <p:italic r:id="rId34"/>
     </p:embeddedFont>
     <p:embeddedFont>
       <p:font typeface="TH Sarabun New" panose="020B0500040200020003" pitchFamily="34" charset="-34"/>
-      <p:regular r:id="rId36"/>
-      <p:bold r:id="rId37"/>
-      <p:italic r:id="rId38"/>
-      <p:boldItalic r:id="rId39"/>
+      <p:regular r:id="rId35"/>
+      <p:bold r:id="rId36"/>
+      <p:italic r:id="rId37"/>
+      <p:boldItalic r:id="rId38"/>
     </p:embeddedFont>
   </p:embeddedFontLst>
   <p:defaultTextStyle>
@@ -283,7 +282,7 @@
           <a:p>
             <a:fld id="{32B755E7-511A-4284-B251-2D620488D959}" type="datetimeFigureOut">
               <a:rPr lang="en-US" smtClean="0"/>
-              <a:t>9/30/2023</a:t>
+              <a:t>10/13/2023</a:t>
             </a:fld>
             <a:endParaRPr lang="en-US"/>
           </a:p>
@@ -1316,7 +1315,7 @@
               <a:pPr>
                 <a:defRPr/>
               </a:pPr>
-              <a:t>30/09/66</a:t>
+              <a:t>13/10/66</a:t>
             </a:fld>
             <a:endParaRPr lang="th-TH" dirty="0"/>
           </a:p>
@@ -1698,7 +1697,7 @@
               <a:pPr>
                 <a:defRPr/>
               </a:pPr>
-              <a:t>30/09/66</a:t>
+              <a:t>13/10/66</a:t>
             </a:fld>
             <a:endParaRPr lang="th-TH" dirty="0"/>
           </a:p>
@@ -2108,7 +2107,7 @@
               <a:pPr>
                 <a:defRPr/>
               </a:pPr>
-              <a:t>30/09/66</a:t>
+              <a:t>13/10/66</a:t>
             </a:fld>
             <a:endParaRPr lang="th-TH" dirty="0"/>
           </a:p>
@@ -2500,7 +2499,7 @@
               <a:pPr>
                 <a:defRPr/>
               </a:pPr>
-              <a:t>30/09/66</a:t>
+              <a:t>13/10/66</a:t>
             </a:fld>
             <a:endParaRPr lang="th-TH" dirty="0"/>
           </a:p>
@@ -3031,7 +3030,7 @@
               <a:pPr>
                 <a:defRPr/>
               </a:pPr>
-              <a:t>30/09/66</a:t>
+              <a:t>13/10/66</a:t>
             </a:fld>
             <a:endParaRPr lang="th-TH" dirty="0"/>
           </a:p>
@@ -6199,7 +6198,7 @@
             </a:r>
             <a:r>
               <a:rPr lang="th-TH" dirty="0"/>
-              <a:t>ที่ ตัวแปรเปลี่ยนค่า (</a:t>
+              <a:t>ที่ ตัวแปรเปลี่ยนค่าได้ (</a:t>
             </a:r>
             <a:r>
               <a:rPr lang="en-US" dirty="0"/>
@@ -6207,7 +6206,7 @@
             </a:r>
             <a:r>
               <a:rPr lang="th-TH" dirty="0"/>
-              <a:t>ได้สามารถเปลี่ยนแปลงค่าได้หลังจากการประกาศค่าไปแล้ว และ </a:t>
+              <a:t>สามารถเปลี่ยนแปลงค่าได้หลังจากการประกาศค่าไปแล้ว และ </a:t>
             </a:r>
             <a:r>
               <a:rPr lang="en-US" dirty="0"/>
@@ -7680,7 +7679,7 @@
           <a:p>
             <a:r>
               <a:rPr lang="th-TH" sz="2400" dirty="0"/>
-              <a:t>จะเห็นได้ว่าการแสดงค่าของมาเป็น </a:t>
+              <a:t>จะเห็นได้ว่าการแสดงค่าออกมาเป็น </a:t>
             </a:r>
             <a:r>
               <a:rPr lang="en-US" sz="2400" dirty="0"/>
@@ -12350,7 +12349,7 @@
         <p:spPr>
           <a:xfrm>
             <a:off x="1335506" y="1326595"/>
-            <a:ext cx="6093994" cy="5324535"/>
+            <a:ext cx="4660231" cy="2862322"/>
           </a:xfrm>
           <a:prstGeom prst="rect">
             <a:avLst/>
@@ -12368,8 +12367,14 @@
                 <a:latin typeface="TH Sarabun New" panose="020B0500040200020003" pitchFamily="34" charset="-34"/>
                 <a:cs typeface="TH Sarabun New" panose="020B0500040200020003" pitchFamily="34" charset="-34"/>
               </a:rPr>
-              <a:t>	# Python program to demonstrate</a:t>
-            </a:r>
+              <a:t>	numbers = [21, 34, 54, 12]</a:t>
+            </a:r>
+          </a:p>
+          <a:p>
+            <a:endParaRPr lang="en-US" sz="2000" dirty="0">
+              <a:latin typeface="TH Sarabun New" panose="020B0500040200020003" pitchFamily="34" charset="-34"/>
+              <a:cs typeface="TH Sarabun New" panose="020B0500040200020003" pitchFamily="34" charset="-34"/>
+            </a:endParaRPr>
           </a:p>
           <a:p>
             <a:r>
@@ -12377,8 +12382,14 @@
                 <a:latin typeface="TH Sarabun New" panose="020B0500040200020003" pitchFamily="34" charset="-34"/>
                 <a:cs typeface="TH Sarabun New" panose="020B0500040200020003" pitchFamily="34" charset="-34"/>
               </a:rPr>
-              <a:t>	# Addition of elements in a List</a:t>
-            </a:r>
+              <a:t>	print("Before Append:", numbers)</a:t>
+            </a:r>
+          </a:p>
+          <a:p>
+            <a:endParaRPr lang="en-US" sz="2000" dirty="0">
+              <a:latin typeface="TH Sarabun New" panose="020B0500040200020003" pitchFamily="34" charset="-34"/>
+              <a:cs typeface="TH Sarabun New" panose="020B0500040200020003" pitchFamily="34" charset="-34"/>
+            </a:endParaRPr>
           </a:p>
           <a:p>
             <a:r>
@@ -12386,17 +12397,37 @@
                 <a:latin typeface="TH Sarabun New" panose="020B0500040200020003" pitchFamily="34" charset="-34"/>
                 <a:cs typeface="TH Sarabun New" panose="020B0500040200020003" pitchFamily="34" charset="-34"/>
               </a:rPr>
+              <a:t>	# using append method</a:t>
+            </a:r>
+          </a:p>
+          <a:p>
+            <a:r>
+              <a:rPr lang="en-US" sz="2000" dirty="0">
+                <a:latin typeface="TH Sarabun New" panose="020B0500040200020003" pitchFamily="34" charset="-34"/>
+                <a:cs typeface="TH Sarabun New" panose="020B0500040200020003" pitchFamily="34" charset="-34"/>
+              </a:rPr>
               <a:t>	</a:t>
             </a:r>
-          </a:p>
-          <a:p>
+            <a:r>
+              <a:rPr lang="en-US" sz="2000" dirty="0" err="1">
+                <a:latin typeface="TH Sarabun New" panose="020B0500040200020003" pitchFamily="34" charset="-34"/>
+                <a:cs typeface="TH Sarabun New" panose="020B0500040200020003" pitchFamily="34" charset="-34"/>
+              </a:rPr>
+              <a:t>numbers.append</a:t>
+            </a:r>
             <a:r>
               <a:rPr lang="en-US" sz="2000" dirty="0">
                 <a:latin typeface="TH Sarabun New" panose="020B0500040200020003" pitchFamily="34" charset="-34"/>
                 <a:cs typeface="TH Sarabun New" panose="020B0500040200020003" pitchFamily="34" charset="-34"/>
               </a:rPr>
-              <a:t>	# Creating a List</a:t>
-            </a:r>
+              <a:t>(32)</a:t>
+            </a:r>
+          </a:p>
+          <a:p>
+            <a:endParaRPr lang="en-US" sz="2000" dirty="0">
+              <a:latin typeface="TH Sarabun New" panose="020B0500040200020003" pitchFamily="34" charset="-34"/>
+              <a:cs typeface="TH Sarabun New" panose="020B0500040200020003" pitchFamily="34" charset="-34"/>
+            </a:endParaRPr>
           </a:p>
           <a:p>
             <a:r>
@@ -12404,162 +12435,7 @@
                 <a:latin typeface="TH Sarabun New" panose="020B0500040200020003" pitchFamily="34" charset="-34"/>
                 <a:cs typeface="TH Sarabun New" panose="020B0500040200020003" pitchFamily="34" charset="-34"/>
               </a:rPr>
-              <a:t>	List = []</a:t>
-            </a:r>
-          </a:p>
-          <a:p>
-            <a:r>
-              <a:rPr lang="en-US" sz="2000" dirty="0">
-                <a:latin typeface="TH Sarabun New" panose="020B0500040200020003" pitchFamily="34" charset="-34"/>
-                <a:cs typeface="TH Sarabun New" panose="020B0500040200020003" pitchFamily="34" charset="-34"/>
-              </a:rPr>
-              <a:t>	print("Initial blank List: ")</a:t>
-            </a:r>
-          </a:p>
-          <a:p>
-            <a:r>
-              <a:rPr lang="en-US" sz="2000" dirty="0">
-                <a:latin typeface="TH Sarabun New" panose="020B0500040200020003" pitchFamily="34" charset="-34"/>
-                <a:cs typeface="TH Sarabun New" panose="020B0500040200020003" pitchFamily="34" charset="-34"/>
-              </a:rPr>
-              <a:t>	print(List)</a:t>
-            </a:r>
-          </a:p>
-          <a:p>
-            <a:r>
-              <a:rPr lang="en-US" sz="2000" dirty="0">
-                <a:latin typeface="TH Sarabun New" panose="020B0500040200020003" pitchFamily="34" charset="-34"/>
-                <a:cs typeface="TH Sarabun New" panose="020B0500040200020003" pitchFamily="34" charset="-34"/>
-              </a:rPr>
-              <a:t>	</a:t>
-            </a:r>
-          </a:p>
-          <a:p>
-            <a:r>
-              <a:rPr lang="en-US" sz="2000" dirty="0">
-                <a:latin typeface="TH Sarabun New" panose="020B0500040200020003" pitchFamily="34" charset="-34"/>
-                <a:cs typeface="TH Sarabun New" panose="020B0500040200020003" pitchFamily="34" charset="-34"/>
-              </a:rPr>
-              <a:t>	# Addition of Elements</a:t>
-            </a:r>
-          </a:p>
-          <a:p>
-            <a:r>
-              <a:rPr lang="en-US" sz="2000" dirty="0">
-                <a:latin typeface="TH Sarabun New" panose="020B0500040200020003" pitchFamily="34" charset="-34"/>
-                <a:cs typeface="TH Sarabun New" panose="020B0500040200020003" pitchFamily="34" charset="-34"/>
-              </a:rPr>
-              <a:t>	# in the List</a:t>
-            </a:r>
-          </a:p>
-          <a:p>
-            <a:r>
-              <a:rPr lang="en-US" sz="2000" dirty="0">
-                <a:latin typeface="TH Sarabun New" panose="020B0500040200020003" pitchFamily="34" charset="-34"/>
-                <a:cs typeface="TH Sarabun New" panose="020B0500040200020003" pitchFamily="34" charset="-34"/>
-              </a:rPr>
-              <a:t>	</a:t>
-            </a:r>
-            <a:r>
-              <a:rPr lang="en-US" sz="2000" dirty="0" err="1">
-                <a:latin typeface="TH Sarabun New" panose="020B0500040200020003" pitchFamily="34" charset="-34"/>
-                <a:cs typeface="TH Sarabun New" panose="020B0500040200020003" pitchFamily="34" charset="-34"/>
-              </a:rPr>
-              <a:t>List.append</a:t>
-            </a:r>
-            <a:r>
-              <a:rPr lang="en-US" sz="2000" dirty="0">
-                <a:latin typeface="TH Sarabun New" panose="020B0500040200020003" pitchFamily="34" charset="-34"/>
-                <a:cs typeface="TH Sarabun New" panose="020B0500040200020003" pitchFamily="34" charset="-34"/>
-              </a:rPr>
-              <a:t>(1)</a:t>
-            </a:r>
-          </a:p>
-          <a:p>
-            <a:r>
-              <a:rPr lang="en-US" sz="2000" dirty="0">
-                <a:latin typeface="TH Sarabun New" panose="020B0500040200020003" pitchFamily="34" charset="-34"/>
-                <a:cs typeface="TH Sarabun New" panose="020B0500040200020003" pitchFamily="34" charset="-34"/>
-              </a:rPr>
-              <a:t>	</a:t>
-            </a:r>
-            <a:r>
-              <a:rPr lang="en-US" sz="2000" dirty="0" err="1">
-                <a:latin typeface="TH Sarabun New" panose="020B0500040200020003" pitchFamily="34" charset="-34"/>
-                <a:cs typeface="TH Sarabun New" panose="020B0500040200020003" pitchFamily="34" charset="-34"/>
-              </a:rPr>
-              <a:t>List.append</a:t>
-            </a:r>
-            <a:r>
-              <a:rPr lang="en-US" sz="2000" dirty="0">
-                <a:latin typeface="TH Sarabun New" panose="020B0500040200020003" pitchFamily="34" charset="-34"/>
-                <a:cs typeface="TH Sarabun New" panose="020B0500040200020003" pitchFamily="34" charset="-34"/>
-              </a:rPr>
-              <a:t>(2)</a:t>
-            </a:r>
-          </a:p>
-          <a:p>
-            <a:r>
-              <a:rPr lang="en-US" sz="2000" dirty="0">
-                <a:latin typeface="TH Sarabun New" panose="020B0500040200020003" pitchFamily="34" charset="-34"/>
-                <a:cs typeface="TH Sarabun New" panose="020B0500040200020003" pitchFamily="34" charset="-34"/>
-              </a:rPr>
-              <a:t>	</a:t>
-            </a:r>
-            <a:r>
-              <a:rPr lang="en-US" sz="2000" dirty="0" err="1">
-                <a:latin typeface="TH Sarabun New" panose="020B0500040200020003" pitchFamily="34" charset="-34"/>
-                <a:cs typeface="TH Sarabun New" panose="020B0500040200020003" pitchFamily="34" charset="-34"/>
-              </a:rPr>
-              <a:t>List.append</a:t>
-            </a:r>
-            <a:r>
-              <a:rPr lang="en-US" sz="2000" dirty="0">
-                <a:latin typeface="TH Sarabun New" panose="020B0500040200020003" pitchFamily="34" charset="-34"/>
-                <a:cs typeface="TH Sarabun New" panose="020B0500040200020003" pitchFamily="34" charset="-34"/>
-              </a:rPr>
-              <a:t>(4)</a:t>
-            </a:r>
-          </a:p>
-          <a:p>
-            <a:r>
-              <a:rPr lang="en-US" sz="2000" dirty="0">
-                <a:latin typeface="TH Sarabun New" panose="020B0500040200020003" pitchFamily="34" charset="-34"/>
-                <a:cs typeface="TH Sarabun New" panose="020B0500040200020003" pitchFamily="34" charset="-34"/>
-              </a:rPr>
-              <a:t>	print("\</a:t>
-            </a:r>
-            <a:r>
-              <a:rPr lang="en-US" sz="2000" dirty="0" err="1">
-                <a:latin typeface="TH Sarabun New" panose="020B0500040200020003" pitchFamily="34" charset="-34"/>
-                <a:cs typeface="TH Sarabun New" panose="020B0500040200020003" pitchFamily="34" charset="-34"/>
-              </a:rPr>
-              <a:t>nList</a:t>
-            </a:r>
-            <a:r>
-              <a:rPr lang="en-US" sz="2000" dirty="0">
-                <a:latin typeface="TH Sarabun New" panose="020B0500040200020003" pitchFamily="34" charset="-34"/>
-                <a:cs typeface="TH Sarabun New" panose="020B0500040200020003" pitchFamily="34" charset="-34"/>
-              </a:rPr>
-              <a:t> after Addition of Three elements: ")</a:t>
-            </a:r>
-          </a:p>
-          <a:p>
-            <a:r>
-              <a:rPr lang="en-US" sz="2000" dirty="0">
-                <a:latin typeface="TH Sarabun New" panose="020B0500040200020003" pitchFamily="34" charset="-34"/>
-                <a:cs typeface="TH Sarabun New" panose="020B0500040200020003" pitchFamily="34" charset="-34"/>
-              </a:rPr>
-              <a:t>	print(List)</a:t>
-            </a:r>
-          </a:p>
-          <a:p>
-            <a:r>
-              <a:rPr lang="en-US" sz="2000" dirty="0">
-                <a:latin typeface="TH Sarabun New" panose="020B0500040200020003" pitchFamily="34" charset="-34"/>
-                <a:cs typeface="TH Sarabun New" panose="020B0500040200020003" pitchFamily="34" charset="-34"/>
-              </a:rPr>
-              <a:t>	</a:t>
+              <a:t>	print("After Append:", numbers) 	</a:t>
             </a:r>
           </a:p>
           <a:p>
@@ -12588,7 +12464,7 @@
         <p:spPr>
           <a:xfrm>
             <a:off x="5790995" y="993747"/>
-            <a:ext cx="6093994" cy="5324535"/>
+            <a:ext cx="6093994" cy="2554545"/>
           </a:xfrm>
           <a:prstGeom prst="rect">
             <a:avLst/>
@@ -12606,8 +12482,14 @@
                 <a:latin typeface="TH Sarabun New" panose="020B0500040200020003" pitchFamily="34" charset="-34"/>
                 <a:cs typeface="TH Sarabun New" panose="020B0500040200020003" pitchFamily="34" charset="-34"/>
               </a:rPr>
-              <a:t>	 # Adding elements to the List</a:t>
-            </a:r>
+              <a:t>	numbers = [1, 3, 5]</a:t>
+            </a:r>
+          </a:p>
+          <a:p>
+            <a:endParaRPr lang="en-US" sz="2000" dirty="0">
+              <a:latin typeface="TH Sarabun New" panose="020B0500040200020003" pitchFamily="34" charset="-34"/>
+              <a:cs typeface="TH Sarabun New" panose="020B0500040200020003" pitchFamily="34" charset="-34"/>
+            </a:endParaRPr>
           </a:p>
           <a:p>
             <a:r>
@@ -12615,30 +12497,50 @@
                 <a:latin typeface="TH Sarabun New" panose="020B0500040200020003" pitchFamily="34" charset="-34"/>
                 <a:cs typeface="TH Sarabun New" panose="020B0500040200020003" pitchFamily="34" charset="-34"/>
               </a:rPr>
-              <a:t>	# using Iterator</a:t>
-            </a:r>
-          </a:p>
-          <a:p>
+              <a:t>	</a:t>
+            </a:r>
+            <a:r>
+              <a:rPr lang="en-US" sz="2000" dirty="0" err="1">
+                <a:latin typeface="TH Sarabun New" panose="020B0500040200020003" pitchFamily="34" charset="-34"/>
+                <a:cs typeface="TH Sarabun New" panose="020B0500040200020003" pitchFamily="34" charset="-34"/>
+              </a:rPr>
+              <a:t>even_numbers</a:t>
+            </a:r>
             <a:r>
               <a:rPr lang="en-US" sz="2000" dirty="0">
                 <a:latin typeface="TH Sarabun New" panose="020B0500040200020003" pitchFamily="34" charset="-34"/>
                 <a:cs typeface="TH Sarabun New" panose="020B0500040200020003" pitchFamily="34" charset="-34"/>
               </a:rPr>
-              <a:t>	for </a:t>
+              <a:t> = [4, 6, 8]</a:t>
+            </a:r>
+          </a:p>
+          <a:p>
+            <a:endParaRPr lang="en-US" sz="2000" dirty="0">
+              <a:latin typeface="TH Sarabun New" panose="020B0500040200020003" pitchFamily="34" charset="-34"/>
+              <a:cs typeface="TH Sarabun New" panose="020B0500040200020003" pitchFamily="34" charset="-34"/>
+            </a:endParaRPr>
+          </a:p>
+          <a:p>
+            <a:r>
+              <a:rPr lang="en-US" sz="2000" dirty="0">
+                <a:latin typeface="TH Sarabun New" panose="020B0500040200020003" pitchFamily="34" charset="-34"/>
+                <a:cs typeface="TH Sarabun New" panose="020B0500040200020003" pitchFamily="34" charset="-34"/>
+              </a:rPr>
+              <a:t>	# add elements of </a:t>
             </a:r>
             <a:r>
               <a:rPr lang="en-US" sz="2000" dirty="0" err="1">
                 <a:latin typeface="TH Sarabun New" panose="020B0500040200020003" pitchFamily="34" charset="-34"/>
                 <a:cs typeface="TH Sarabun New" panose="020B0500040200020003" pitchFamily="34" charset="-34"/>
               </a:rPr>
-              <a:t>i</a:t>
+              <a:t>even_numbers</a:t>
             </a:r>
             <a:r>
               <a:rPr lang="en-US" sz="2000" dirty="0">
                 <a:latin typeface="TH Sarabun New" panose="020B0500040200020003" pitchFamily="34" charset="-34"/>
                 <a:cs typeface="TH Sarabun New" panose="020B0500040200020003" pitchFamily="34" charset="-34"/>
               </a:rPr>
-              <a:t> in range(1, 4):</a:t>
+              <a:t> to the numbers list</a:t>
             </a:r>
           </a:p>
           <a:p>
@@ -12647,14 +12549,14 @@
                 <a:latin typeface="TH Sarabun New" panose="020B0500040200020003" pitchFamily="34" charset="-34"/>
                 <a:cs typeface="TH Sarabun New" panose="020B0500040200020003" pitchFamily="34" charset="-34"/>
               </a:rPr>
-              <a:t>		</a:t>
+              <a:t>	</a:t>
             </a:r>
             <a:r>
               <a:rPr lang="en-US" sz="2000" dirty="0" err="1">
                 <a:latin typeface="TH Sarabun New" panose="020B0500040200020003" pitchFamily="34" charset="-34"/>
                 <a:cs typeface="TH Sarabun New" panose="020B0500040200020003" pitchFamily="34" charset="-34"/>
               </a:rPr>
-              <a:t>List.append</a:t>
+              <a:t>numbers.extend</a:t>
             </a:r>
             <a:r>
               <a:rPr lang="en-US" sz="2000" dirty="0">
@@ -12668,7 +12570,7 @@
                 <a:latin typeface="TH Sarabun New" panose="020B0500040200020003" pitchFamily="34" charset="-34"/>
                 <a:cs typeface="TH Sarabun New" panose="020B0500040200020003" pitchFamily="34" charset="-34"/>
               </a:rPr>
-              <a:t>i</a:t>
+              <a:t>even_numbers</a:t>
             </a:r>
             <a:r>
               <a:rPr lang="en-US" sz="2000" dirty="0">
@@ -12679,190 +12581,18 @@
             </a:r>
           </a:p>
           <a:p>
+            <a:endParaRPr lang="en-US" sz="2000" dirty="0">
+              <a:latin typeface="TH Sarabun New" panose="020B0500040200020003" pitchFamily="34" charset="-34"/>
+              <a:cs typeface="TH Sarabun New" panose="020B0500040200020003" pitchFamily="34" charset="-34"/>
+            </a:endParaRPr>
+          </a:p>
+          <a:p>
             <a:r>
               <a:rPr lang="en-US" sz="2000" dirty="0">
                 <a:latin typeface="TH Sarabun New" panose="020B0500040200020003" pitchFamily="34" charset="-34"/>
                 <a:cs typeface="TH Sarabun New" panose="020B0500040200020003" pitchFamily="34" charset="-34"/>
               </a:rPr>
-              <a:t>	print("\</a:t>
-            </a:r>
-            <a:r>
-              <a:rPr lang="en-US" sz="2000" dirty="0" err="1">
-                <a:latin typeface="TH Sarabun New" panose="020B0500040200020003" pitchFamily="34" charset="-34"/>
-                <a:cs typeface="TH Sarabun New" panose="020B0500040200020003" pitchFamily="34" charset="-34"/>
-              </a:rPr>
-              <a:t>nList</a:t>
-            </a:r>
-            <a:r>
-              <a:rPr lang="en-US" sz="2000" dirty="0">
-                <a:latin typeface="TH Sarabun New" panose="020B0500040200020003" pitchFamily="34" charset="-34"/>
-                <a:cs typeface="TH Sarabun New" panose="020B0500040200020003" pitchFamily="34" charset="-34"/>
-              </a:rPr>
-              <a:t> after Addition of elements from 1-3: ")</a:t>
-            </a:r>
-          </a:p>
-          <a:p>
-            <a:r>
-              <a:rPr lang="en-US" sz="2000" dirty="0">
-                <a:latin typeface="TH Sarabun New" panose="020B0500040200020003" pitchFamily="34" charset="-34"/>
-                <a:cs typeface="TH Sarabun New" panose="020B0500040200020003" pitchFamily="34" charset="-34"/>
-              </a:rPr>
-              <a:t>	print(List)</a:t>
-            </a:r>
-          </a:p>
-          <a:p>
-            <a:r>
-              <a:rPr lang="en-US" sz="2000" dirty="0">
-                <a:latin typeface="TH Sarabun New" panose="020B0500040200020003" pitchFamily="34" charset="-34"/>
-                <a:cs typeface="TH Sarabun New" panose="020B0500040200020003" pitchFamily="34" charset="-34"/>
-              </a:rPr>
-              <a:t>	</a:t>
-            </a:r>
-          </a:p>
-          <a:p>
-            <a:r>
-              <a:rPr lang="en-US" sz="2000" dirty="0">
-                <a:latin typeface="TH Sarabun New" panose="020B0500040200020003" pitchFamily="34" charset="-34"/>
-                <a:cs typeface="TH Sarabun New" panose="020B0500040200020003" pitchFamily="34" charset="-34"/>
-              </a:rPr>
-              <a:t>	# Adding Tuples to the List</a:t>
-            </a:r>
-          </a:p>
-          <a:p>
-            <a:r>
-              <a:rPr lang="en-US" sz="2000" dirty="0">
-                <a:latin typeface="TH Sarabun New" panose="020B0500040200020003" pitchFamily="34" charset="-34"/>
-                <a:cs typeface="TH Sarabun New" panose="020B0500040200020003" pitchFamily="34" charset="-34"/>
-              </a:rPr>
-              <a:t>	</a:t>
-            </a:r>
-            <a:r>
-              <a:rPr lang="en-US" sz="2000" dirty="0" err="1">
-                <a:latin typeface="TH Sarabun New" panose="020B0500040200020003" pitchFamily="34" charset="-34"/>
-                <a:cs typeface="TH Sarabun New" panose="020B0500040200020003" pitchFamily="34" charset="-34"/>
-              </a:rPr>
-              <a:t>List.append</a:t>
-            </a:r>
-            <a:r>
-              <a:rPr lang="en-US" sz="2000" dirty="0">
-                <a:latin typeface="TH Sarabun New" panose="020B0500040200020003" pitchFamily="34" charset="-34"/>
-                <a:cs typeface="TH Sarabun New" panose="020B0500040200020003" pitchFamily="34" charset="-34"/>
-              </a:rPr>
-              <a:t>((5, 6))</a:t>
-            </a:r>
-          </a:p>
-          <a:p>
-            <a:r>
-              <a:rPr lang="en-US" sz="2000" dirty="0">
-                <a:latin typeface="TH Sarabun New" panose="020B0500040200020003" pitchFamily="34" charset="-34"/>
-                <a:cs typeface="TH Sarabun New" panose="020B0500040200020003" pitchFamily="34" charset="-34"/>
-              </a:rPr>
-              <a:t>	print("\</a:t>
-            </a:r>
-            <a:r>
-              <a:rPr lang="en-US" sz="2000" dirty="0" err="1">
-                <a:latin typeface="TH Sarabun New" panose="020B0500040200020003" pitchFamily="34" charset="-34"/>
-                <a:cs typeface="TH Sarabun New" panose="020B0500040200020003" pitchFamily="34" charset="-34"/>
-              </a:rPr>
-              <a:t>nList</a:t>
-            </a:r>
-            <a:r>
-              <a:rPr lang="en-US" sz="2000" dirty="0">
-                <a:latin typeface="TH Sarabun New" panose="020B0500040200020003" pitchFamily="34" charset="-34"/>
-                <a:cs typeface="TH Sarabun New" panose="020B0500040200020003" pitchFamily="34" charset="-34"/>
-              </a:rPr>
-              <a:t> after Addition of a Tuple: ")</a:t>
-            </a:r>
-          </a:p>
-          <a:p>
-            <a:r>
-              <a:rPr lang="en-US" sz="2000" dirty="0">
-                <a:latin typeface="TH Sarabun New" panose="020B0500040200020003" pitchFamily="34" charset="-34"/>
-                <a:cs typeface="TH Sarabun New" panose="020B0500040200020003" pitchFamily="34" charset="-34"/>
-              </a:rPr>
-              <a:t>	print(List)</a:t>
-            </a:r>
-          </a:p>
-          <a:p>
-            <a:r>
-              <a:rPr lang="en-US" sz="2000" dirty="0">
-                <a:latin typeface="TH Sarabun New" panose="020B0500040200020003" pitchFamily="34" charset="-34"/>
-                <a:cs typeface="TH Sarabun New" panose="020B0500040200020003" pitchFamily="34" charset="-34"/>
-              </a:rPr>
-              <a:t>	</a:t>
-            </a:r>
-          </a:p>
-          <a:p>
-            <a:r>
-              <a:rPr lang="en-US" sz="2000" dirty="0">
-                <a:latin typeface="TH Sarabun New" panose="020B0500040200020003" pitchFamily="34" charset="-34"/>
-                <a:cs typeface="TH Sarabun New" panose="020B0500040200020003" pitchFamily="34" charset="-34"/>
-              </a:rPr>
-              <a:t>	# Addition of List to a List</a:t>
-            </a:r>
-          </a:p>
-          <a:p>
-            <a:r>
-              <a:rPr lang="en-US" sz="2000" dirty="0">
-                <a:latin typeface="TH Sarabun New" panose="020B0500040200020003" pitchFamily="34" charset="-34"/>
-                <a:cs typeface="TH Sarabun New" panose="020B0500040200020003" pitchFamily="34" charset="-34"/>
-              </a:rPr>
-              <a:t>	List2 = ['For', 'Geeks']</a:t>
-            </a:r>
-          </a:p>
-          <a:p>
-            <a:r>
-              <a:rPr lang="en-US" sz="2000" dirty="0">
-                <a:latin typeface="TH Sarabun New" panose="020B0500040200020003" pitchFamily="34" charset="-34"/>
-                <a:cs typeface="TH Sarabun New" panose="020B0500040200020003" pitchFamily="34" charset="-34"/>
-              </a:rPr>
-              <a:t>	</a:t>
-            </a:r>
-            <a:r>
-              <a:rPr lang="en-US" sz="2000" dirty="0" err="1">
-                <a:latin typeface="TH Sarabun New" panose="020B0500040200020003" pitchFamily="34" charset="-34"/>
-                <a:cs typeface="TH Sarabun New" panose="020B0500040200020003" pitchFamily="34" charset="-34"/>
-              </a:rPr>
-              <a:t>List.append</a:t>
-            </a:r>
-            <a:r>
-              <a:rPr lang="en-US" sz="2000" dirty="0">
-                <a:latin typeface="TH Sarabun New" panose="020B0500040200020003" pitchFamily="34" charset="-34"/>
-                <a:cs typeface="TH Sarabun New" panose="020B0500040200020003" pitchFamily="34" charset="-34"/>
-              </a:rPr>
-              <a:t>(List2)</a:t>
-            </a:r>
-          </a:p>
-          <a:p>
-            <a:r>
-              <a:rPr lang="en-US" sz="2000" dirty="0">
-                <a:latin typeface="TH Sarabun New" panose="020B0500040200020003" pitchFamily="34" charset="-34"/>
-                <a:cs typeface="TH Sarabun New" panose="020B0500040200020003" pitchFamily="34" charset="-34"/>
-              </a:rPr>
-              <a:t>	print("\</a:t>
-            </a:r>
-            <a:r>
-              <a:rPr lang="en-US" sz="2000" dirty="0" err="1">
-                <a:latin typeface="TH Sarabun New" panose="020B0500040200020003" pitchFamily="34" charset="-34"/>
-                <a:cs typeface="TH Sarabun New" panose="020B0500040200020003" pitchFamily="34" charset="-34"/>
-              </a:rPr>
-              <a:t>nList</a:t>
-            </a:r>
-            <a:r>
-              <a:rPr lang="en-US" sz="2000" dirty="0">
-                <a:latin typeface="TH Sarabun New" panose="020B0500040200020003" pitchFamily="34" charset="-34"/>
-                <a:cs typeface="TH Sarabun New" panose="020B0500040200020003" pitchFamily="34" charset="-34"/>
-              </a:rPr>
-              <a:t> after Addition of a List: ")</a:t>
-            </a:r>
-          </a:p>
-          <a:p>
-            <a:r>
-              <a:rPr lang="en-US" sz="2000" dirty="0">
-                <a:latin typeface="TH Sarabun New" panose="020B0500040200020003" pitchFamily="34" charset="-34"/>
-                <a:cs typeface="TH Sarabun New" panose="020B0500040200020003" pitchFamily="34" charset="-34"/>
-              </a:rPr>
-              <a:t>	print(List)</a:t>
+              <a:t>	print("List after append:", numbers) </a:t>
             </a:r>
           </a:p>
         </p:txBody>
@@ -12884,7 +12614,7 @@
         <p:spPr>
           <a:xfrm>
             <a:off x="6196263" y="1114063"/>
-            <a:ext cx="0" cy="4973916"/>
+            <a:ext cx="0" cy="4035453"/>
           </a:xfrm>
           <a:prstGeom prst="line">
             <a:avLst/>
@@ -12927,8 +12657,8 @@
         </p:nvSpPr>
         <p:spPr bwMode="auto">
           <a:xfrm>
-            <a:off x="3354010" y="6376925"/>
-            <a:ext cx="9565106" cy="307777"/>
+            <a:off x="2120271" y="4393921"/>
+            <a:ext cx="3696496" cy="615553"/>
           </a:xfrm>
           <a:prstGeom prst="rect">
             <a:avLst/>
@@ -13139,7 +12869,7 @@
                 <a:latin typeface="TH Sarabun New" panose="020B0500040200020003" pitchFamily="34" charset="-34"/>
                 <a:cs typeface="TH Sarabun New" panose="020B0500040200020003" pitchFamily="34" charset="-34"/>
               </a:rPr>
-              <a:t> add() </a:t>
+              <a:t> append() </a:t>
             </a:r>
             <a:r>
               <a:rPr kumimoji="0" lang="th-TH" altLang="en-US" sz="2000" b="0" i="0" u="none" strike="noStrike" cap="none" normalizeH="0" baseline="0" dirty="0">
@@ -13207,429 +12937,12 @@
           </a:p>
         </p:txBody>
       </p:sp>
-    </p:spTree>
-    <p:extLst>
-      <p:ext uri="{BB962C8B-B14F-4D97-AF65-F5344CB8AC3E}">
-        <p14:creationId xmlns:p14="http://schemas.microsoft.com/office/powerpoint/2010/main" val="345053149"/>
-      </p:ext>
-    </p:extLst>
-  </p:cSld>
-  <p:clrMapOvr>
-    <a:masterClrMapping/>
-  </p:clrMapOvr>
-</p:sld>
-</file>
-
-<file path=ppt/slides/slide24.xml><?xml version="1.0" encoding="utf-8"?>
-<p:sld xmlns:a="http://schemas.openxmlformats.org/drawingml/2006/main" xmlns:r="http://schemas.openxmlformats.org/officeDocument/2006/relationships" xmlns:p="http://schemas.openxmlformats.org/presentationml/2006/main">
-  <p:cSld>
-    <p:spTree>
-      <p:nvGrpSpPr>
-        <p:cNvPr id="1" name=""/>
-        <p:cNvGrpSpPr/>
-        <p:nvPr/>
-      </p:nvGrpSpPr>
-      <p:grpSpPr>
-        <a:xfrm>
-          <a:off x="0" y="0"/>
-          <a:ext cx="0" cy="0"/>
-          <a:chOff x="0" y="0"/>
-          <a:chExt cx="0" cy="0"/>
-        </a:xfrm>
-      </p:grpSpPr>
-      <p:sp>
-        <p:nvSpPr>
-          <p:cNvPr id="4" name="Title 3">
+      <p:sp>
+        <p:nvSpPr>
+          <p:cNvPr id="3" name="Rectangle 1">
             <a:extLst>
               <a:ext uri="{FF2B5EF4-FFF2-40B4-BE49-F238E27FC236}">
-                <a16:creationId xmlns:a16="http://schemas.microsoft.com/office/drawing/2014/main" id="{FE41A42A-24D1-E54D-EF4F-3E4D7EBA54FC}"/>
-              </a:ext>
-            </a:extLst>
-          </p:cNvPr>
-          <p:cNvSpPr>
-            <a:spLocks noGrp="1"/>
-          </p:cNvSpPr>
-          <p:nvPr>
-            <p:ph type="title"/>
-          </p:nvPr>
-        </p:nvSpPr>
-        <p:spPr>
-          <a:xfrm>
-            <a:off x="2093495" y="108855"/>
-            <a:ext cx="9655629" cy="990600"/>
-          </a:xfrm>
-        </p:spPr>
-        <p:txBody>
-          <a:bodyPr/>
-          <a:lstStyle/>
-          <a:p>
-            <a:r>
-              <a:rPr lang="th-TH" dirty="0"/>
-              <a:t>การเพิ่มข้อมูลใน </a:t>
-            </a:r>
-            <a:r>
-              <a:rPr lang="en-US" dirty="0"/>
-              <a:t>List </a:t>
-            </a:r>
-            <a:r>
-              <a:rPr lang="th-TH" dirty="0"/>
-              <a:t>ในภาษาอื่นๆ</a:t>
-            </a:r>
-            <a:endParaRPr lang="en-US" dirty="0"/>
-          </a:p>
-        </p:txBody>
-      </p:sp>
-      <p:sp>
-        <p:nvSpPr>
-          <p:cNvPr id="2" name="TextBox 1">
-            <a:extLst>
-              <a:ext uri="{FF2B5EF4-FFF2-40B4-BE49-F238E27FC236}">
-                <a16:creationId xmlns:a16="http://schemas.microsoft.com/office/drawing/2014/main" id="{FD09C9B8-7B78-67C7-FBCC-2CD1B1FE96AE}"/>
-              </a:ext>
-            </a:extLst>
-          </p:cNvPr>
-          <p:cNvSpPr txBox="1"/>
-          <p:nvPr/>
-        </p:nvSpPr>
-        <p:spPr>
-          <a:xfrm>
-            <a:off x="2406315" y="837845"/>
-            <a:ext cx="947695" cy="523220"/>
-          </a:xfrm>
-          <a:prstGeom prst="rect">
-            <a:avLst/>
-          </a:prstGeom>
-          <a:noFill/>
-        </p:spPr>
-        <p:txBody>
-          <a:bodyPr wrap="none" rtlCol="0">
-            <a:spAutoFit/>
-          </a:bodyPr>
-          <a:lstStyle/>
-          <a:p>
-            <a:r>
-              <a:rPr lang="en-US" dirty="0">
-                <a:latin typeface="TH Sarabun New" panose="020B0500040200020003" pitchFamily="34" charset="-34"/>
-                <a:cs typeface="TH Sarabun New" panose="020B0500040200020003" pitchFamily="34" charset="-34"/>
-              </a:rPr>
-              <a:t>Python</a:t>
-            </a:r>
-          </a:p>
-        </p:txBody>
-      </p:sp>
-      <p:sp>
-        <p:nvSpPr>
-          <p:cNvPr id="5" name="TextBox 4">
-            <a:extLst>
-              <a:ext uri="{FF2B5EF4-FFF2-40B4-BE49-F238E27FC236}">
-                <a16:creationId xmlns:a16="http://schemas.microsoft.com/office/drawing/2014/main" id="{D82F2B47-6BDB-2D71-E39B-B145FCB42530}"/>
-              </a:ext>
-            </a:extLst>
-          </p:cNvPr>
-          <p:cNvSpPr txBox="1"/>
-          <p:nvPr/>
-        </p:nvSpPr>
-        <p:spPr>
-          <a:xfrm>
-            <a:off x="1335506" y="1326595"/>
-            <a:ext cx="4660231" cy="2862322"/>
-          </a:xfrm>
-          <a:prstGeom prst="rect">
-            <a:avLst/>
-          </a:prstGeom>
-          <a:noFill/>
-        </p:spPr>
-        <p:txBody>
-          <a:bodyPr wrap="square">
-            <a:spAutoFit/>
-          </a:bodyPr>
-          <a:lstStyle/>
-          <a:p>
-            <a:r>
-              <a:rPr lang="en-US" sz="2000" dirty="0">
-                <a:latin typeface="TH Sarabun New" panose="020B0500040200020003" pitchFamily="34" charset="-34"/>
-                <a:cs typeface="TH Sarabun New" panose="020B0500040200020003" pitchFamily="34" charset="-34"/>
-              </a:rPr>
-              <a:t>	numbers = [21, 34, 54, 12]</a:t>
-            </a:r>
-          </a:p>
-          <a:p>
-            <a:endParaRPr lang="en-US" sz="2000" dirty="0">
-              <a:latin typeface="TH Sarabun New" panose="020B0500040200020003" pitchFamily="34" charset="-34"/>
-              <a:cs typeface="TH Sarabun New" panose="020B0500040200020003" pitchFamily="34" charset="-34"/>
-            </a:endParaRPr>
-          </a:p>
-          <a:p>
-            <a:r>
-              <a:rPr lang="en-US" sz="2000" dirty="0">
-                <a:latin typeface="TH Sarabun New" panose="020B0500040200020003" pitchFamily="34" charset="-34"/>
-                <a:cs typeface="TH Sarabun New" panose="020B0500040200020003" pitchFamily="34" charset="-34"/>
-              </a:rPr>
-              <a:t>	print("Before Append:", numbers)</a:t>
-            </a:r>
-          </a:p>
-          <a:p>
-            <a:endParaRPr lang="en-US" sz="2000" dirty="0">
-              <a:latin typeface="TH Sarabun New" panose="020B0500040200020003" pitchFamily="34" charset="-34"/>
-              <a:cs typeface="TH Sarabun New" panose="020B0500040200020003" pitchFamily="34" charset="-34"/>
-            </a:endParaRPr>
-          </a:p>
-          <a:p>
-            <a:r>
-              <a:rPr lang="en-US" sz="2000" dirty="0">
-                <a:latin typeface="TH Sarabun New" panose="020B0500040200020003" pitchFamily="34" charset="-34"/>
-                <a:cs typeface="TH Sarabun New" panose="020B0500040200020003" pitchFamily="34" charset="-34"/>
-              </a:rPr>
-              <a:t>	# using append method</a:t>
-            </a:r>
-          </a:p>
-          <a:p>
-            <a:r>
-              <a:rPr lang="en-US" sz="2000" dirty="0">
-                <a:latin typeface="TH Sarabun New" panose="020B0500040200020003" pitchFamily="34" charset="-34"/>
-                <a:cs typeface="TH Sarabun New" panose="020B0500040200020003" pitchFamily="34" charset="-34"/>
-              </a:rPr>
-              <a:t>	</a:t>
-            </a:r>
-            <a:r>
-              <a:rPr lang="en-US" sz="2000" dirty="0" err="1">
-                <a:latin typeface="TH Sarabun New" panose="020B0500040200020003" pitchFamily="34" charset="-34"/>
-                <a:cs typeface="TH Sarabun New" panose="020B0500040200020003" pitchFamily="34" charset="-34"/>
-              </a:rPr>
-              <a:t>numbers.append</a:t>
-            </a:r>
-            <a:r>
-              <a:rPr lang="en-US" sz="2000" dirty="0">
-                <a:latin typeface="TH Sarabun New" panose="020B0500040200020003" pitchFamily="34" charset="-34"/>
-                <a:cs typeface="TH Sarabun New" panose="020B0500040200020003" pitchFamily="34" charset="-34"/>
-              </a:rPr>
-              <a:t>(32)</a:t>
-            </a:r>
-          </a:p>
-          <a:p>
-            <a:endParaRPr lang="en-US" sz="2000" dirty="0">
-              <a:latin typeface="TH Sarabun New" panose="020B0500040200020003" pitchFamily="34" charset="-34"/>
-              <a:cs typeface="TH Sarabun New" panose="020B0500040200020003" pitchFamily="34" charset="-34"/>
-            </a:endParaRPr>
-          </a:p>
-          <a:p>
-            <a:r>
-              <a:rPr lang="en-US" sz="2000" dirty="0">
-                <a:latin typeface="TH Sarabun New" panose="020B0500040200020003" pitchFamily="34" charset="-34"/>
-                <a:cs typeface="TH Sarabun New" panose="020B0500040200020003" pitchFamily="34" charset="-34"/>
-              </a:rPr>
-              <a:t>	print("After Append:", numbers) 	</a:t>
-            </a:r>
-          </a:p>
-          <a:p>
-            <a:r>
-              <a:rPr lang="en-US" sz="2000" dirty="0">
-                <a:latin typeface="TH Sarabun New" panose="020B0500040200020003" pitchFamily="34" charset="-34"/>
-                <a:cs typeface="TH Sarabun New" panose="020B0500040200020003" pitchFamily="34" charset="-34"/>
-              </a:rPr>
-              <a:t>	</a:t>
-            </a:r>
-          </a:p>
-        </p:txBody>
-      </p:sp>
-      <p:sp>
-        <p:nvSpPr>
-          <p:cNvPr id="9" name="TextBox 8">
-            <a:extLst>
-              <a:ext uri="{FF2B5EF4-FFF2-40B4-BE49-F238E27FC236}">
-                <a16:creationId xmlns:a16="http://schemas.microsoft.com/office/drawing/2014/main" id="{3B3F3255-0071-D91A-5576-B65A3AAC9BC6}"/>
-              </a:ext>
-            </a:extLst>
-          </p:cNvPr>
-          <p:cNvSpPr txBox="1"/>
-          <p:nvPr/>
-        </p:nvSpPr>
-        <p:spPr>
-          <a:xfrm>
-            <a:off x="5790995" y="993747"/>
-            <a:ext cx="6093994" cy="2554545"/>
-          </a:xfrm>
-          <a:prstGeom prst="rect">
-            <a:avLst/>
-          </a:prstGeom>
-          <a:noFill/>
-        </p:spPr>
-        <p:txBody>
-          <a:bodyPr wrap="square">
-            <a:spAutoFit/>
-          </a:bodyPr>
-          <a:lstStyle/>
-          <a:p>
-            <a:r>
-              <a:rPr lang="en-US" sz="2000" dirty="0">
-                <a:latin typeface="TH Sarabun New" panose="020B0500040200020003" pitchFamily="34" charset="-34"/>
-                <a:cs typeface="TH Sarabun New" panose="020B0500040200020003" pitchFamily="34" charset="-34"/>
-              </a:rPr>
-              <a:t>	numbers = [1, 3, 5]</a:t>
-            </a:r>
-          </a:p>
-          <a:p>
-            <a:endParaRPr lang="en-US" sz="2000" dirty="0">
-              <a:latin typeface="TH Sarabun New" panose="020B0500040200020003" pitchFamily="34" charset="-34"/>
-              <a:cs typeface="TH Sarabun New" panose="020B0500040200020003" pitchFamily="34" charset="-34"/>
-            </a:endParaRPr>
-          </a:p>
-          <a:p>
-            <a:r>
-              <a:rPr lang="en-US" sz="2000" dirty="0">
-                <a:latin typeface="TH Sarabun New" panose="020B0500040200020003" pitchFamily="34" charset="-34"/>
-                <a:cs typeface="TH Sarabun New" panose="020B0500040200020003" pitchFamily="34" charset="-34"/>
-              </a:rPr>
-              <a:t>	</a:t>
-            </a:r>
-            <a:r>
-              <a:rPr lang="en-US" sz="2000" dirty="0" err="1">
-                <a:latin typeface="TH Sarabun New" panose="020B0500040200020003" pitchFamily="34" charset="-34"/>
-                <a:cs typeface="TH Sarabun New" panose="020B0500040200020003" pitchFamily="34" charset="-34"/>
-              </a:rPr>
-              <a:t>even_numbers</a:t>
-            </a:r>
-            <a:r>
-              <a:rPr lang="en-US" sz="2000" dirty="0">
-                <a:latin typeface="TH Sarabun New" panose="020B0500040200020003" pitchFamily="34" charset="-34"/>
-                <a:cs typeface="TH Sarabun New" panose="020B0500040200020003" pitchFamily="34" charset="-34"/>
-              </a:rPr>
-              <a:t> = [4, 6, 8]</a:t>
-            </a:r>
-          </a:p>
-          <a:p>
-            <a:endParaRPr lang="en-US" sz="2000" dirty="0">
-              <a:latin typeface="TH Sarabun New" panose="020B0500040200020003" pitchFamily="34" charset="-34"/>
-              <a:cs typeface="TH Sarabun New" panose="020B0500040200020003" pitchFamily="34" charset="-34"/>
-            </a:endParaRPr>
-          </a:p>
-          <a:p>
-            <a:r>
-              <a:rPr lang="en-US" sz="2000" dirty="0">
-                <a:latin typeface="TH Sarabun New" panose="020B0500040200020003" pitchFamily="34" charset="-34"/>
-                <a:cs typeface="TH Sarabun New" panose="020B0500040200020003" pitchFamily="34" charset="-34"/>
-              </a:rPr>
-              <a:t>	# add elements of </a:t>
-            </a:r>
-            <a:r>
-              <a:rPr lang="en-US" sz="2000" dirty="0" err="1">
-                <a:latin typeface="TH Sarabun New" panose="020B0500040200020003" pitchFamily="34" charset="-34"/>
-                <a:cs typeface="TH Sarabun New" panose="020B0500040200020003" pitchFamily="34" charset="-34"/>
-              </a:rPr>
-              <a:t>even_numbers</a:t>
-            </a:r>
-            <a:r>
-              <a:rPr lang="en-US" sz="2000" dirty="0">
-                <a:latin typeface="TH Sarabun New" panose="020B0500040200020003" pitchFamily="34" charset="-34"/>
-                <a:cs typeface="TH Sarabun New" panose="020B0500040200020003" pitchFamily="34" charset="-34"/>
-              </a:rPr>
-              <a:t> to the numbers list</a:t>
-            </a:r>
-          </a:p>
-          <a:p>
-            <a:r>
-              <a:rPr lang="en-US" sz="2000" dirty="0">
-                <a:latin typeface="TH Sarabun New" panose="020B0500040200020003" pitchFamily="34" charset="-34"/>
-                <a:cs typeface="TH Sarabun New" panose="020B0500040200020003" pitchFamily="34" charset="-34"/>
-              </a:rPr>
-              <a:t>	</a:t>
-            </a:r>
-            <a:r>
-              <a:rPr lang="en-US" sz="2000" dirty="0" err="1">
-                <a:latin typeface="TH Sarabun New" panose="020B0500040200020003" pitchFamily="34" charset="-34"/>
-                <a:cs typeface="TH Sarabun New" panose="020B0500040200020003" pitchFamily="34" charset="-34"/>
-              </a:rPr>
-              <a:t>numbers.extend</a:t>
-            </a:r>
-            <a:r>
-              <a:rPr lang="en-US" sz="2000" dirty="0">
-                <a:latin typeface="TH Sarabun New" panose="020B0500040200020003" pitchFamily="34" charset="-34"/>
-                <a:cs typeface="TH Sarabun New" panose="020B0500040200020003" pitchFamily="34" charset="-34"/>
-              </a:rPr>
-              <a:t>(</a:t>
-            </a:r>
-            <a:r>
-              <a:rPr lang="en-US" sz="2000" dirty="0" err="1">
-                <a:latin typeface="TH Sarabun New" panose="020B0500040200020003" pitchFamily="34" charset="-34"/>
-                <a:cs typeface="TH Sarabun New" panose="020B0500040200020003" pitchFamily="34" charset="-34"/>
-              </a:rPr>
-              <a:t>even_numbers</a:t>
-            </a:r>
-            <a:r>
-              <a:rPr lang="en-US" sz="2000" dirty="0">
-                <a:latin typeface="TH Sarabun New" panose="020B0500040200020003" pitchFamily="34" charset="-34"/>
-                <a:cs typeface="TH Sarabun New" panose="020B0500040200020003" pitchFamily="34" charset="-34"/>
-              </a:rPr>
-              <a:t>)</a:t>
-            </a:r>
-          </a:p>
-          <a:p>
-            <a:endParaRPr lang="en-US" sz="2000" dirty="0">
-              <a:latin typeface="TH Sarabun New" panose="020B0500040200020003" pitchFamily="34" charset="-34"/>
-              <a:cs typeface="TH Sarabun New" panose="020B0500040200020003" pitchFamily="34" charset="-34"/>
-            </a:endParaRPr>
-          </a:p>
-          <a:p>
-            <a:r>
-              <a:rPr lang="en-US" sz="2000" dirty="0">
-                <a:latin typeface="TH Sarabun New" panose="020B0500040200020003" pitchFamily="34" charset="-34"/>
-                <a:cs typeface="TH Sarabun New" panose="020B0500040200020003" pitchFamily="34" charset="-34"/>
-              </a:rPr>
-              <a:t>	print("List after append:", numbers) </a:t>
-            </a:r>
-          </a:p>
-        </p:txBody>
-      </p:sp>
-      <p:cxnSp>
-        <p:nvCxnSpPr>
-          <p:cNvPr id="10" name="Straight Connector 9">
-            <a:extLst>
-              <a:ext uri="{FF2B5EF4-FFF2-40B4-BE49-F238E27FC236}">
-                <a16:creationId xmlns:a16="http://schemas.microsoft.com/office/drawing/2014/main" id="{4F665291-31E4-E058-C727-5F5DDC172A24}"/>
-              </a:ext>
-            </a:extLst>
-          </p:cNvPr>
-          <p:cNvCxnSpPr>
-            <a:cxnSpLocks/>
-          </p:cNvCxnSpPr>
-          <p:nvPr/>
-        </p:nvCxnSpPr>
-        <p:spPr>
-          <a:xfrm>
-            <a:off x="6196263" y="1114063"/>
-            <a:ext cx="0" cy="4035453"/>
-          </a:xfrm>
-          <a:prstGeom prst="line">
-            <a:avLst/>
-          </a:prstGeom>
-          <a:ln w="19050">
-            <a:solidFill>
-              <a:srgbClr val="014C44"/>
-            </a:solidFill>
-            <a:prstDash val="lgDashDot"/>
-          </a:ln>
-        </p:spPr>
-        <p:style>
-          <a:lnRef idx="1">
-            <a:schemeClr val="accent1"/>
-          </a:lnRef>
-          <a:fillRef idx="0">
-            <a:schemeClr val="accent1"/>
-          </a:fillRef>
-          <a:effectRef idx="0">
-            <a:schemeClr val="accent1"/>
-          </a:effectRef>
-          <a:fontRef idx="minor">
-            <a:schemeClr val="tx1"/>
-          </a:fontRef>
-        </p:style>
-      </p:cxnSp>
-      <p:sp>
-        <p:nvSpPr>
-          <p:cNvPr id="11" name="Rectangle 1">
-            <a:extLst>
-              <a:ext uri="{FF2B5EF4-FFF2-40B4-BE49-F238E27FC236}">
-                <a16:creationId xmlns:a16="http://schemas.microsoft.com/office/drawing/2014/main" id="{3E4A8054-CFB4-99EF-910D-F3ADDF2972ED}"/>
+                <a16:creationId xmlns:a16="http://schemas.microsoft.com/office/drawing/2014/main" id="{E4590CE6-BBD9-B016-172F-B2397A168C40}"/>
               </a:ext>
             </a:extLst>
           </p:cNvPr>
@@ -13640,8 +12953,8 @@
         </p:nvSpPr>
         <p:spPr bwMode="auto">
           <a:xfrm>
-            <a:off x="2120271" y="4393921"/>
-            <a:ext cx="3696496" cy="615553"/>
+            <a:off x="6601532" y="4433184"/>
+            <a:ext cx="5283457" cy="307777"/>
           </a:xfrm>
           <a:prstGeom prst="rect">
             <a:avLst/>
@@ -13852,7 +13165,7 @@
                 <a:latin typeface="TH Sarabun New" panose="020B0500040200020003" pitchFamily="34" charset="-34"/>
                 <a:cs typeface="TH Sarabun New" panose="020B0500040200020003" pitchFamily="34" charset="-34"/>
               </a:rPr>
-              <a:t> append() </a:t>
+              <a:t> extend() </a:t>
             </a:r>
             <a:r>
               <a:rPr kumimoji="0" lang="th-TH" altLang="en-US" sz="2000" b="0" i="0" u="none" strike="noStrike" cap="none" normalizeH="0" baseline="0" dirty="0">
@@ -13922,10 +13235,10 @@
       </p:sp>
       <p:sp>
         <p:nvSpPr>
-          <p:cNvPr id="3" name="Rectangle 1">
+          <p:cNvPr id="8" name="Rectangle 1">
             <a:extLst>
               <a:ext uri="{FF2B5EF4-FFF2-40B4-BE49-F238E27FC236}">
-                <a16:creationId xmlns:a16="http://schemas.microsoft.com/office/drawing/2014/main" id="{E4590CE6-BBD9-B016-172F-B2397A168C40}"/>
+                <a16:creationId xmlns:a16="http://schemas.microsoft.com/office/drawing/2014/main" id="{A2496974-5083-F43C-80C9-E85C48D5242A}"/>
               </a:ext>
             </a:extLst>
           </p:cNvPr>
@@ -13936,8 +13249,8 @@
         </p:nvSpPr>
         <p:spPr bwMode="auto">
           <a:xfrm>
-            <a:off x="6601532" y="4433184"/>
-            <a:ext cx="5283457" cy="307777"/>
+            <a:off x="2200687" y="5804711"/>
+            <a:ext cx="9611020" cy="430887"/>
           </a:xfrm>
           <a:prstGeom prst="rect">
             <a:avLst/>
@@ -14099,302 +13412,6 @@
               <a:tabLst/>
             </a:pPr>
             <a:r>
-              <a:rPr kumimoji="0" lang="th-TH" altLang="en-US" sz="2000" b="0" i="0" u="none" strike="noStrike" cap="none" normalizeH="0" baseline="0" dirty="0">
-                <a:ln>
-                  <a:noFill/>
-                </a:ln>
-                <a:solidFill>
-                  <a:srgbClr val="007A6D"/>
-                </a:solidFill>
-                <a:effectLst/>
-                <a:latin typeface="TH Sarabun New" panose="020B0500040200020003" pitchFamily="34" charset="-34"/>
-                <a:cs typeface="TH Sarabun New" panose="020B0500040200020003" pitchFamily="34" charset="-34"/>
-              </a:rPr>
-              <a:t>โปรแกรม</a:t>
-            </a:r>
-            <a:r>
-              <a:rPr lang="th-TH" altLang="en-US" sz="2000" dirty="0">
-                <a:solidFill>
-                  <a:srgbClr val="007A6D"/>
-                </a:solidFill>
-                <a:latin typeface="TH Sarabun New" panose="020B0500040200020003" pitchFamily="34" charset="-34"/>
-                <a:cs typeface="TH Sarabun New" panose="020B0500040200020003" pitchFamily="34" charset="-34"/>
-              </a:rPr>
-              <a:t>นี้จะ</a:t>
-            </a:r>
-            <a:r>
-              <a:rPr kumimoji="0" lang="th-TH" altLang="en-US" sz="2000" b="0" i="0" u="none" strike="noStrike" cap="none" normalizeH="0" baseline="0" dirty="0">
-                <a:ln>
-                  <a:noFill/>
-                </a:ln>
-                <a:solidFill>
-                  <a:srgbClr val="007A6D"/>
-                </a:solidFill>
-                <a:effectLst/>
-                <a:latin typeface="TH Sarabun New" panose="020B0500040200020003" pitchFamily="34" charset="-34"/>
-                <a:cs typeface="TH Sarabun New" panose="020B0500040200020003" pitchFamily="34" charset="-34"/>
-              </a:rPr>
-              <a:t>แสดงตัวอย่างการใช้</a:t>
-            </a:r>
-            <a:r>
-              <a:rPr kumimoji="0" lang="en-US" altLang="en-US" sz="2000" b="0" i="0" u="none" strike="noStrike" cap="none" normalizeH="0" baseline="0" dirty="0">
-                <a:ln>
-                  <a:noFill/>
-                </a:ln>
-                <a:solidFill>
-                  <a:srgbClr val="007A6D"/>
-                </a:solidFill>
-                <a:effectLst/>
-                <a:latin typeface="TH Sarabun New" panose="020B0500040200020003" pitchFamily="34" charset="-34"/>
-                <a:cs typeface="TH Sarabun New" panose="020B0500040200020003" pitchFamily="34" charset="-34"/>
-              </a:rPr>
-              <a:t> extend() </a:t>
-            </a:r>
-            <a:r>
-              <a:rPr kumimoji="0" lang="th-TH" altLang="en-US" sz="2000" b="0" i="0" u="none" strike="noStrike" cap="none" normalizeH="0" baseline="0" dirty="0">
-                <a:ln>
-                  <a:noFill/>
-                </a:ln>
-                <a:solidFill>
-                  <a:srgbClr val="007A6D"/>
-                </a:solidFill>
-                <a:effectLst/>
-                <a:latin typeface="TH Sarabun New" panose="020B0500040200020003" pitchFamily="34" charset="-34"/>
-                <a:cs typeface="TH Sarabun New" panose="020B0500040200020003" pitchFamily="34" charset="-34"/>
-              </a:rPr>
-              <a:t>เพิ่มค่าลงใน </a:t>
-            </a:r>
-            <a:r>
-              <a:rPr kumimoji="0" lang="en-US" altLang="en-US" sz="2000" b="0" i="0" u="none" strike="noStrike" cap="none" normalizeH="0" baseline="0" dirty="0">
-                <a:ln>
-                  <a:noFill/>
-                </a:ln>
-                <a:solidFill>
-                  <a:srgbClr val="007A6D"/>
-                </a:solidFill>
-                <a:effectLst/>
-                <a:latin typeface="TH Sarabun New" panose="020B0500040200020003" pitchFamily="34" charset="-34"/>
-                <a:cs typeface="TH Sarabun New" panose="020B0500040200020003" pitchFamily="34" charset="-34"/>
-              </a:rPr>
-              <a:t>List </a:t>
-            </a:r>
-            <a:r>
-              <a:rPr kumimoji="0" lang="th-TH" altLang="en-US" sz="2000" b="0" i="0" u="none" strike="noStrike" cap="none" normalizeH="0" baseline="0" dirty="0">
-                <a:ln>
-                  <a:noFill/>
-                </a:ln>
-                <a:solidFill>
-                  <a:srgbClr val="007A6D"/>
-                </a:solidFill>
-                <a:effectLst/>
-                <a:latin typeface="TH Sarabun New" panose="020B0500040200020003" pitchFamily="34" charset="-34"/>
-                <a:cs typeface="TH Sarabun New" panose="020B0500040200020003" pitchFamily="34" charset="-34"/>
-              </a:rPr>
-              <a:t>ของ</a:t>
-            </a:r>
-            <a:r>
-              <a:rPr lang="en-US" altLang="en-US" sz="2000" dirty="0">
-                <a:solidFill>
-                  <a:srgbClr val="007A6D"/>
-                </a:solidFill>
-                <a:latin typeface="TH Sarabun New" panose="020B0500040200020003" pitchFamily="34" charset="-34"/>
-                <a:cs typeface="TH Sarabun New" panose="020B0500040200020003" pitchFamily="34" charset="-34"/>
-              </a:rPr>
-              <a:t> Python</a:t>
-            </a:r>
-            <a:endParaRPr kumimoji="0" lang="th-TH" altLang="en-US" sz="2000" b="0" i="0" u="none" strike="noStrike" cap="none" normalizeH="0" baseline="0" dirty="0">
-              <a:ln>
-                <a:noFill/>
-              </a:ln>
-              <a:solidFill>
-                <a:srgbClr val="007A6D"/>
-              </a:solidFill>
-              <a:effectLst/>
-              <a:latin typeface="TH Sarabun New" panose="020B0500040200020003" pitchFamily="34" charset="-34"/>
-              <a:cs typeface="TH Sarabun New" panose="020B0500040200020003" pitchFamily="34" charset="-34"/>
-            </a:endParaRPr>
-          </a:p>
-        </p:txBody>
-      </p:sp>
-      <p:sp>
-        <p:nvSpPr>
-          <p:cNvPr id="8" name="Rectangle 1">
-            <a:extLst>
-              <a:ext uri="{FF2B5EF4-FFF2-40B4-BE49-F238E27FC236}">
-                <a16:creationId xmlns:a16="http://schemas.microsoft.com/office/drawing/2014/main" id="{A2496974-5083-F43C-80C9-E85C48D5242A}"/>
-              </a:ext>
-            </a:extLst>
-          </p:cNvPr>
-          <p:cNvSpPr>
-            <a:spLocks noChangeArrowheads="1"/>
-          </p:cNvSpPr>
-          <p:nvPr/>
-        </p:nvSpPr>
-        <p:spPr bwMode="auto">
-          <a:xfrm>
-            <a:off x="2200687" y="5804711"/>
-            <a:ext cx="9611020" cy="430887"/>
-          </a:xfrm>
-          <a:prstGeom prst="rect">
-            <a:avLst/>
-          </a:prstGeom>
-          <a:noFill/>
-          <a:ln>
-            <a:noFill/>
-          </a:ln>
-          <a:effectLst/>
-          <a:extLst>
-            <a:ext uri="{909E8E84-426E-40DD-AFC4-6F175D3DCCD1}">
-              <a14:hiddenFill xmlns:a14="http://schemas.microsoft.com/office/drawing/2010/main">
-                <a:solidFill>
-                  <a:schemeClr val="accent1"/>
-                </a:solidFill>
-              </a14:hiddenFill>
-            </a:ext>
-            <a:ext uri="{91240B29-F687-4F45-9708-019B960494DF}">
-              <a14:hiddenLine xmlns:a14="http://schemas.microsoft.com/office/drawing/2010/main" w="9525">
-                <a:solidFill>
-                  <a:schemeClr val="tx1"/>
-                </a:solidFill>
-                <a:miter lim="800000"/>
-                <a:headEnd/>
-                <a:tailEnd/>
-              </a14:hiddenLine>
-            </a:ext>
-            <a:ext uri="{AF507438-7753-43E0-B8FC-AC1667EBCBE1}">
-              <a14:hiddenEffects xmlns:a14="http://schemas.microsoft.com/office/drawing/2010/main">
-                <a:effectLst>
-                  <a:outerShdw dist="35921" dir="2700000" algn="ctr" rotWithShape="0">
-                    <a:schemeClr val="bg2"/>
-                  </a:outerShdw>
-                </a:effectLst>
-              </a14:hiddenEffects>
-            </a:ext>
-          </a:extLst>
-        </p:spPr>
-        <p:txBody>
-          <a:bodyPr vert="horz" wrap="square" lIns="0" tIns="0" rIns="0" bIns="0" numCol="1" anchor="ctr" anchorCtr="0" compatLnSpc="1">
-            <a:prstTxWarp prst="textNoShape">
-              <a:avLst/>
-            </a:prstTxWarp>
-            <a:spAutoFit/>
-          </a:bodyPr>
-          <a:lstStyle>
-            <a:lvl1pPr>
-              <a:defRPr>
-                <a:solidFill>
-                  <a:schemeClr val="tx1"/>
-                </a:solidFill>
-                <a:latin typeface="Arial" panose="020B0604020202020204" pitchFamily="34" charset="0"/>
-              </a:defRPr>
-            </a:lvl1pPr>
-            <a:lvl2pPr>
-              <a:defRPr>
-                <a:solidFill>
-                  <a:schemeClr val="tx1"/>
-                </a:solidFill>
-                <a:latin typeface="Arial" panose="020B0604020202020204" pitchFamily="34" charset="0"/>
-              </a:defRPr>
-            </a:lvl2pPr>
-            <a:lvl3pPr>
-              <a:defRPr>
-                <a:solidFill>
-                  <a:schemeClr val="tx1"/>
-                </a:solidFill>
-                <a:latin typeface="Arial" panose="020B0604020202020204" pitchFamily="34" charset="0"/>
-              </a:defRPr>
-            </a:lvl3pPr>
-            <a:lvl4pPr>
-              <a:defRPr>
-                <a:solidFill>
-                  <a:schemeClr val="tx1"/>
-                </a:solidFill>
-                <a:latin typeface="Arial" panose="020B0604020202020204" pitchFamily="34" charset="0"/>
-              </a:defRPr>
-            </a:lvl4pPr>
-            <a:lvl5pPr>
-              <a:defRPr>
-                <a:solidFill>
-                  <a:schemeClr val="tx1"/>
-                </a:solidFill>
-                <a:latin typeface="Arial" panose="020B0604020202020204" pitchFamily="34" charset="0"/>
-              </a:defRPr>
-            </a:lvl5pPr>
-            <a:lvl6pPr eaLnBrk="0" fontAlgn="base" hangingPunct="0">
-              <a:spcBef>
-                <a:spcPct val="0"/>
-              </a:spcBef>
-              <a:spcAft>
-                <a:spcPct val="0"/>
-              </a:spcAft>
-              <a:defRPr>
-                <a:solidFill>
-                  <a:schemeClr val="tx1"/>
-                </a:solidFill>
-                <a:latin typeface="Arial" panose="020B0604020202020204" pitchFamily="34" charset="0"/>
-              </a:defRPr>
-            </a:lvl6pPr>
-            <a:lvl7pPr eaLnBrk="0" fontAlgn="base" hangingPunct="0">
-              <a:spcBef>
-                <a:spcPct val="0"/>
-              </a:spcBef>
-              <a:spcAft>
-                <a:spcPct val="0"/>
-              </a:spcAft>
-              <a:defRPr>
-                <a:solidFill>
-                  <a:schemeClr val="tx1"/>
-                </a:solidFill>
-                <a:latin typeface="Arial" panose="020B0604020202020204" pitchFamily="34" charset="0"/>
-              </a:defRPr>
-            </a:lvl7pPr>
-            <a:lvl8pPr eaLnBrk="0" fontAlgn="base" hangingPunct="0">
-              <a:spcBef>
-                <a:spcPct val="0"/>
-              </a:spcBef>
-              <a:spcAft>
-                <a:spcPct val="0"/>
-              </a:spcAft>
-              <a:defRPr>
-                <a:solidFill>
-                  <a:schemeClr val="tx1"/>
-                </a:solidFill>
-                <a:latin typeface="Arial" panose="020B0604020202020204" pitchFamily="34" charset="0"/>
-              </a:defRPr>
-            </a:lvl8pPr>
-            <a:lvl9pPr eaLnBrk="0" fontAlgn="base" hangingPunct="0">
-              <a:spcBef>
-                <a:spcPct val="0"/>
-              </a:spcBef>
-              <a:spcAft>
-                <a:spcPct val="0"/>
-              </a:spcAft>
-              <a:defRPr>
-                <a:solidFill>
-                  <a:schemeClr val="tx1"/>
-                </a:solidFill>
-                <a:latin typeface="Arial" panose="020B0604020202020204" pitchFamily="34" charset="0"/>
-              </a:defRPr>
-            </a:lvl9pPr>
-          </a:lstStyle>
-          <a:p>
-            <a:pPr marL="0" marR="0" lvl="0" indent="0" algn="l" defTabSz="914400" rtl="0" eaLnBrk="0" fontAlgn="base" latinLnBrk="0" hangingPunct="0">
-              <a:lnSpc>
-                <a:spcPct val="100000"/>
-              </a:lnSpc>
-              <a:spcBef>
-                <a:spcPct val="0"/>
-              </a:spcBef>
-              <a:spcAft>
-                <a:spcPct val="0"/>
-              </a:spcAft>
-              <a:buClrTx/>
-              <a:buSzTx/>
-              <a:buFontTx/>
-              <a:buNone/>
-              <a:tabLst/>
-            </a:pPr>
-            <a:r>
               <a:rPr lang="en-US" altLang="en-US" dirty="0">
                 <a:solidFill>
                   <a:schemeClr val="accent2">
@@ -14567,7 +13584,7 @@
 </p:sld>
 </file>
 
-<file path=ppt/slides/slide25.xml><?xml version="1.0" encoding="utf-8"?>
+<file path=ppt/slides/slide24.xml><?xml version="1.0" encoding="utf-8"?>
 <p:sld xmlns:a="http://schemas.openxmlformats.org/drawingml/2006/main" xmlns:r="http://schemas.openxmlformats.org/officeDocument/2006/relationships" xmlns:p="http://schemas.openxmlformats.org/presentationml/2006/main">
   <p:cSld>
     <p:spTree>
@@ -19285,6 +18302,15 @@
 </file>
 
 <file path=customXml/item1.xml><?xml version="1.0" encoding="utf-8"?>
+<?mso-contentType ?>
+<FormTemplates xmlns="http://schemas.microsoft.com/sharepoint/v3/contenttype/forms">
+  <Display>DocumentLibraryForm</Display>
+  <Edit>DocumentLibraryForm</Edit>
+  <New>DocumentLibraryForm</New>
+</FormTemplates>
+</file>
+
+<file path=customXml/item2.xml><?xml version="1.0" encoding="utf-8"?>
 <ct:contentTypeSchema xmlns:ct="http://schemas.microsoft.com/office/2006/metadata/contentType" xmlns:ma="http://schemas.microsoft.com/office/2006/metadata/properties/metaAttributes" ct:_="" ma:_="" ma:contentTypeName="Document" ma:contentTypeID="0x010100C5141BBE9292EA41A4C130F160723B79" ma:contentTypeVersion="10" ma:contentTypeDescription="Create a new document." ma:contentTypeScope="" ma:versionID="15c9e41bea4b3c0c871dca9938042a5d">
   <xsd:schema xmlns:xsd="http://www.w3.org/2001/XMLSchema" xmlns:xs="http://www.w3.org/2001/XMLSchema" xmlns:p="http://schemas.microsoft.com/office/2006/metadata/properties" xmlns:ns2="80332277-3b93-41a6-8c87-7e2d26c20e61" xmlns:ns3="42e85855-fb6a-4813-bb55-4b299851a111" targetNamespace="http://schemas.microsoft.com/office/2006/metadata/properties" ma:root="true" ma:fieldsID="787b0c36830c29b18ac143f40d57dbfb" ns2:_="" ns3:_="">
     <xsd:import namespace="80332277-3b93-41a6-8c87-7e2d26c20e61"/>
@@ -19473,16 +18499,15 @@
 </ct:contentTypeSchema>
 </file>
 
-<file path=customXml/item2.xml><?xml version="1.0" encoding="utf-8"?>
-<?mso-contentType ?>
-<FormTemplates xmlns="http://schemas.microsoft.com/sharepoint/v3/contenttype/forms">
-  <Display>DocumentLibraryForm</Display>
-  <Edit>DocumentLibraryForm</Edit>
-  <New>DocumentLibraryForm</New>
-</FormTemplates>
+<file path=customXml/itemProps1.xml><?xml version="1.0" encoding="utf-8"?>
+<ds:datastoreItem xmlns:ds="http://schemas.openxmlformats.org/officeDocument/2006/customXml" ds:itemID="{3AFD6F1C-F431-4FE1-8BD4-9AEBE26E301E}">
+  <ds:schemaRefs>
+    <ds:schemaRef ds:uri="http://schemas.microsoft.com/sharepoint/v3/contenttype/forms"/>
+  </ds:schemaRefs>
+</ds:datastoreItem>
 </file>
 
-<file path=customXml/itemProps1.xml><?xml version="1.0" encoding="utf-8"?>
+<file path=customXml/itemProps2.xml><?xml version="1.0" encoding="utf-8"?>
 <ds:datastoreItem xmlns:ds="http://schemas.openxmlformats.org/officeDocument/2006/customXml" ds:itemID="{8F99D0B0-FBF5-4687-9D3B-C9408DEDA4AC}">
   <ds:schemaRefs>
     <ds:schemaRef ds:uri="http://schemas.microsoft.com/office/2006/metadata/contentType"/>
@@ -19499,12 +18524,4 @@
     <ds:schemaRef ds:uri="http://schemas.microsoft.com/internal/obd"/>
   </ds:schemaRefs>
 </ds:datastoreItem>
-</file>
-
-<file path=customXml/itemProps2.xml><?xml version="1.0" encoding="utf-8"?>
-<ds:datastoreItem xmlns:ds="http://schemas.openxmlformats.org/officeDocument/2006/customXml" ds:itemID="{3AFD6F1C-F431-4FE1-8BD4-9AEBE26E301E}">
-  <ds:schemaRefs>
-    <ds:schemaRef ds:uri="http://schemas.microsoft.com/sharepoint/v3/contenttype/forms"/>
-  </ds:schemaRefs>
-</ds:datastoreItem>
 </file>